--- a/EarlyBoundGenerator Call Flow Documentation.pptx
+++ b/EarlyBoundGenerator Call Flow Documentation.pptx
@@ -105,6 +105,11 @@
       </a:defRPr>
     </a:lvl9pPr>
   </p:defaultTextStyle>
+  <p:extLst>
+    <p:ext uri="{EFAFB233-063F-42B5-8137-9DF3F51BA10A}">
+      <p15:sldGuideLst xmlns:p15="http://schemas.microsoft.com/office/powerpoint/2012/main"/>
+    </p:ext>
+  </p:extLst>
 </p:presentation>
 </file>
 
@@ -255,7 +260,7 @@
           <a:p>
             <a:fld id="{FFB91BF4-66AC-4CA5-B30D-B7E0B1EB860D}" type="datetimeFigureOut">
               <a:rPr lang="en-US" smtClean="0"/>
-              <a:t>3/8/2023</a:t>
+              <a:t>3/17/2023</a:t>
             </a:fld>
             <a:endParaRPr lang="en-US"/>
           </a:p>
@@ -453,7 +458,7 @@
           <a:p>
             <a:fld id="{FFB91BF4-66AC-4CA5-B30D-B7E0B1EB860D}" type="datetimeFigureOut">
               <a:rPr lang="en-US" smtClean="0"/>
-              <a:t>3/8/2023</a:t>
+              <a:t>3/17/2023</a:t>
             </a:fld>
             <a:endParaRPr lang="en-US"/>
           </a:p>
@@ -661,7 +666,7 @@
           <a:p>
             <a:fld id="{FFB91BF4-66AC-4CA5-B30D-B7E0B1EB860D}" type="datetimeFigureOut">
               <a:rPr lang="en-US" smtClean="0"/>
-              <a:t>3/8/2023</a:t>
+              <a:t>3/17/2023</a:t>
             </a:fld>
             <a:endParaRPr lang="en-US"/>
           </a:p>
@@ -859,7 +864,7 @@
           <a:p>
             <a:fld id="{FFB91BF4-66AC-4CA5-B30D-B7E0B1EB860D}" type="datetimeFigureOut">
               <a:rPr lang="en-US" smtClean="0"/>
-              <a:t>3/8/2023</a:t>
+              <a:t>3/17/2023</a:t>
             </a:fld>
             <a:endParaRPr lang="en-US"/>
           </a:p>
@@ -1134,7 +1139,7 @@
           <a:p>
             <a:fld id="{FFB91BF4-66AC-4CA5-B30D-B7E0B1EB860D}" type="datetimeFigureOut">
               <a:rPr lang="en-US" smtClean="0"/>
-              <a:t>3/8/2023</a:t>
+              <a:t>3/17/2023</a:t>
             </a:fld>
             <a:endParaRPr lang="en-US"/>
           </a:p>
@@ -1399,7 +1404,7 @@
           <a:p>
             <a:fld id="{FFB91BF4-66AC-4CA5-B30D-B7E0B1EB860D}" type="datetimeFigureOut">
               <a:rPr lang="en-US" smtClean="0"/>
-              <a:t>3/8/2023</a:t>
+              <a:t>3/17/2023</a:t>
             </a:fld>
             <a:endParaRPr lang="en-US"/>
           </a:p>
@@ -1811,7 +1816,7 @@
           <a:p>
             <a:fld id="{FFB91BF4-66AC-4CA5-B30D-B7E0B1EB860D}" type="datetimeFigureOut">
               <a:rPr lang="en-US" smtClean="0"/>
-              <a:t>3/8/2023</a:t>
+              <a:t>3/17/2023</a:t>
             </a:fld>
             <a:endParaRPr lang="en-US"/>
           </a:p>
@@ -1952,7 +1957,7 @@
           <a:p>
             <a:fld id="{FFB91BF4-66AC-4CA5-B30D-B7E0B1EB860D}" type="datetimeFigureOut">
               <a:rPr lang="en-US" smtClean="0"/>
-              <a:t>3/8/2023</a:t>
+              <a:t>3/17/2023</a:t>
             </a:fld>
             <a:endParaRPr lang="en-US"/>
           </a:p>
@@ -2065,7 +2070,7 @@
           <a:p>
             <a:fld id="{FFB91BF4-66AC-4CA5-B30D-B7E0B1EB860D}" type="datetimeFigureOut">
               <a:rPr lang="en-US" smtClean="0"/>
-              <a:t>3/8/2023</a:t>
+              <a:t>3/17/2023</a:t>
             </a:fld>
             <a:endParaRPr lang="en-US"/>
           </a:p>
@@ -2376,7 +2381,7 @@
           <a:p>
             <a:fld id="{FFB91BF4-66AC-4CA5-B30D-B7E0B1EB860D}" type="datetimeFigureOut">
               <a:rPr lang="en-US" smtClean="0"/>
-              <a:t>3/8/2023</a:t>
+              <a:t>3/17/2023</a:t>
             </a:fld>
             <a:endParaRPr lang="en-US"/>
           </a:p>
@@ -2664,7 +2669,7 @@
           <a:p>
             <a:fld id="{FFB91BF4-66AC-4CA5-B30D-B7E0B1EB860D}" type="datetimeFigureOut">
               <a:rPr lang="en-US" smtClean="0"/>
-              <a:t>3/8/2023</a:t>
+              <a:t>3/17/2023</a:t>
             </a:fld>
             <a:endParaRPr lang="en-US"/>
           </a:p>
@@ -2905,7 +2910,7 @@
           <a:p>
             <a:fld id="{FFB91BF4-66AC-4CA5-B30D-B7E0B1EB860D}" type="datetimeFigureOut">
               <a:rPr lang="en-US" smtClean="0"/>
-              <a:t>3/8/2023</a:t>
+              <a:t>3/17/2023</a:t>
             </a:fld>
             <a:endParaRPr lang="en-US"/>
           </a:p>
@@ -5165,6 +5170,36 @@
           </a:p>
         </p:txBody>
       </p:sp>
+      <p:pic>
+        <p:nvPicPr>
+          <p:cNvPr id="4" name="Picture 3">
+            <a:extLst>
+              <a:ext uri="{FF2B5EF4-FFF2-40B4-BE49-F238E27FC236}">
+                <a16:creationId xmlns:a16="http://schemas.microsoft.com/office/drawing/2014/main" id="{490A0E48-1EC7-4105-4867-28A179A32E8B}"/>
+              </a:ext>
+            </a:extLst>
+          </p:cNvPr>
+          <p:cNvPicPr>
+            <a:picLocks noChangeAspect="1"/>
+          </p:cNvPicPr>
+          <p:nvPr/>
+        </p:nvPicPr>
+        <p:blipFill>
+          <a:blip r:embed="rId6"/>
+          <a:stretch>
+            <a:fillRect/>
+          </a:stretch>
+        </p:blipFill>
+        <p:spPr>
+          <a:xfrm>
+            <a:off x="4603729" y="137230"/>
+            <a:ext cx="495761" cy="505676"/>
+          </a:xfrm>
+          <a:prstGeom prst="rect">
+            <a:avLst/>
+          </a:prstGeom>
+        </p:spPr>
+      </p:pic>
     </p:spTree>
     <p:extLst>
       <p:ext uri="{BB962C8B-B14F-4D97-AF65-F5344CB8AC3E}">
